--- a/pynotes/Python Concepts.pptx
+++ b/pynotes/Python Concepts.pptx
@@ -27,6 +27,7 @@
     <p:sldId id="275" r:id="rId21"/>
     <p:sldId id="276" r:id="rId22"/>
     <p:sldId id="277" r:id="rId23"/>
+    <p:sldId id="278" r:id="rId24"/>
   </p:sldIdLst>
   <p:sldSz cx="9144000" cy="6858000" type="screen4x3"/>
   <p:notesSz cx="6858000" cy="9144000"/>
@@ -33183,6 +33184,13 @@
   <p:clrMapOvr>
     <a:masterClrMapping/>
   </p:clrMapOvr>
+  <p:timing>
+    <p:tnLst>
+      <p:par>
+        <p:cTn id="1" dur="indefinite" restart="never" nodeType="tmRoot"/>
+      </p:par>
+    </p:tnLst>
+  </p:timing>
 </p:sld>
 </file>
 
@@ -33430,6 +33438,13 @@
   <p:clrMapOvr>
     <a:masterClrMapping/>
   </p:clrMapOvr>
+  <p:timing>
+    <p:tnLst>
+      <p:par>
+        <p:cTn id="1" dur="indefinite" restart="never" nodeType="tmRoot"/>
+      </p:par>
+    </p:tnLst>
+  </p:timing>
 </p:sld>
 </file>
 
@@ -33583,6 +33598,13 @@
   <p:clrMapOvr>
     <a:masterClrMapping/>
   </p:clrMapOvr>
+  <p:timing>
+    <p:tnLst>
+      <p:par>
+        <p:cTn id="1" dur="indefinite" restart="never" nodeType="tmRoot"/>
+      </p:par>
+    </p:tnLst>
+  </p:timing>
 </p:sld>
 </file>
 
@@ -33921,6 +33943,13 @@
   <p:clrMapOvr>
     <a:masterClrMapping/>
   </p:clrMapOvr>
+  <p:timing>
+    <p:tnLst>
+      <p:par>
+        <p:cTn id="1" dur="indefinite" restart="never" nodeType="tmRoot"/>
+      </p:par>
+    </p:tnLst>
+  </p:timing>
 </p:sld>
 </file>
 
@@ -34025,6 +34054,13 @@
   <p:clrMapOvr>
     <a:masterClrMapping/>
   </p:clrMapOvr>
+  <p:timing>
+    <p:tnLst>
+      <p:par>
+        <p:cTn id="1" dur="indefinite" restart="never" nodeType="tmRoot"/>
+      </p:par>
+    </p:tnLst>
+  </p:timing>
 </p:sld>
 </file>
 
@@ -34134,6 +34170,13 @@
   <p:clrMapOvr>
     <a:masterClrMapping/>
   </p:clrMapOvr>
+  <p:timing>
+    <p:tnLst>
+      <p:par>
+        <p:cTn id="1" dur="indefinite" restart="never" nodeType="tmRoot"/>
+      </p:par>
+    </p:tnLst>
+  </p:timing>
 </p:sld>
 </file>
 
@@ -34243,6 +34286,13 @@
   <p:clrMapOvr>
     <a:masterClrMapping/>
   </p:clrMapOvr>
+  <p:timing>
+    <p:tnLst>
+      <p:par>
+        <p:cTn id="1" dur="indefinite" restart="never" nodeType="tmRoot"/>
+      </p:par>
+    </p:tnLst>
+  </p:timing>
 </p:sld>
 </file>
 
@@ -34352,6 +34402,13 @@
   <p:clrMapOvr>
     <a:masterClrMapping/>
   </p:clrMapOvr>
+  <p:timing>
+    <p:tnLst>
+      <p:par>
+        <p:cTn id="1" dur="indefinite" restart="never" nodeType="tmRoot"/>
+      </p:par>
+    </p:tnLst>
+  </p:timing>
 </p:sld>
 </file>
 
@@ -34461,6 +34518,13 @@
   <p:clrMapOvr>
     <a:masterClrMapping/>
   </p:clrMapOvr>
+  <p:timing>
+    <p:tnLst>
+      <p:par>
+        <p:cTn id="1" dur="indefinite" restart="never" nodeType="tmRoot"/>
+      </p:par>
+    </p:tnLst>
+  </p:timing>
 </p:sld>
 </file>
 
@@ -34579,6 +34643,13 @@
   <p:clrMapOvr>
     <a:masterClrMapping/>
   </p:clrMapOvr>
+  <p:timing>
+    <p:tnLst>
+      <p:par>
+        <p:cTn id="1" dur="indefinite" restart="never" nodeType="tmRoot"/>
+      </p:par>
+    </p:tnLst>
+  </p:timing>
 </p:sld>
 </file>
 
@@ -34688,6 +34759,13 @@
   <p:clrMapOvr>
     <a:masterClrMapping/>
   </p:clrMapOvr>
+  <p:timing>
+    <p:tnLst>
+      <p:par>
+        <p:cTn id="1" dur="indefinite" restart="never" nodeType="tmRoot"/>
+      </p:par>
+    </p:tnLst>
+  </p:timing>
 </p:sld>
 </file>
 
@@ -34815,6 +34893,13 @@
   <p:clrMapOvr>
     <a:masterClrMapping/>
   </p:clrMapOvr>
+  <p:timing>
+    <p:tnLst>
+      <p:par>
+        <p:cTn id="1" dur="indefinite" restart="never" nodeType="tmRoot"/>
+      </p:par>
+    </p:tnLst>
+  </p:timing>
 </p:sld>
 </file>
 
@@ -34975,7 +35060,7 @@
           </a:p>
           <a:p>
             <a:r>
-              <a:rPr lang="en-US" smtClean="0"/>
+              <a:rPr lang="en-US" dirty="0" smtClean="0"/>
               <a:t>'11100'</a:t>
             </a:r>
             <a:endParaRPr lang="en-US" dirty="0"/>
@@ -34986,6 +35071,108 @@
     <p:extLst>
       <p:ext uri="{BB962C8B-B14F-4D97-AF65-F5344CB8AC3E}">
         <p14:creationId xmlns:p14="http://schemas.microsoft.com/office/powerpoint/2010/main" val="2101564009"/>
+      </p:ext>
+    </p:extLst>
+  </p:cSld>
+  <p:clrMapOvr>
+    <a:masterClrMapping/>
+  </p:clrMapOvr>
+  <p:timing>
+    <p:tnLst>
+      <p:par>
+        <p:cTn id="1" dur="indefinite" restart="never" nodeType="tmRoot"/>
+      </p:par>
+    </p:tnLst>
+  </p:timing>
+</p:sld>
+</file>
+
+<file path=ppt/slides/slide23.xml><?xml version="1.0" encoding="utf-8"?>
+<p:sld xmlns:a="http://schemas.openxmlformats.org/drawingml/2006/main" xmlns:r="http://schemas.openxmlformats.org/officeDocument/2006/relationships" xmlns:p="http://schemas.openxmlformats.org/presentationml/2006/main">
+  <p:cSld>
+    <p:spTree>
+      <p:nvGrpSpPr>
+        <p:cNvPr id="1" name=""/>
+        <p:cNvGrpSpPr/>
+        <p:nvPr/>
+      </p:nvGrpSpPr>
+      <p:grpSpPr>
+        <a:xfrm>
+          <a:off x="0" y="0"/>
+          <a:ext cx="0" cy="0"/>
+          <a:chOff x="0" y="0"/>
+          <a:chExt cx="0" cy="0"/>
+        </a:xfrm>
+      </p:grpSpPr>
+      <p:sp>
+        <p:nvSpPr>
+          <p:cNvPr id="2" name="Title 1"/>
+          <p:cNvSpPr>
+            <a:spLocks noGrp="1"/>
+          </p:cNvSpPr>
+          <p:nvPr>
+            <p:ph type="title"/>
+          </p:nvPr>
+        </p:nvSpPr>
+        <p:spPr/>
+        <p:txBody>
+          <a:bodyPr/>
+          <a:lstStyle/>
+          <a:p>
+            <a:r>
+              <a:rPr lang="en-US" dirty="0" smtClean="0"/>
+              <a:t>Editors</a:t>
+            </a:r>
+            <a:endParaRPr lang="en-US" dirty="0"/>
+          </a:p>
+        </p:txBody>
+      </p:sp>
+      <p:sp>
+        <p:nvSpPr>
+          <p:cNvPr id="3" name="Content Placeholder 2"/>
+          <p:cNvSpPr>
+            <a:spLocks noGrp="1"/>
+          </p:cNvSpPr>
+          <p:nvPr>
+            <p:ph idx="1"/>
+          </p:nvPr>
+        </p:nvSpPr>
+        <p:spPr/>
+        <p:txBody>
+          <a:bodyPr/>
+          <a:lstStyle/>
+          <a:p>
+            <a:r>
+              <a:rPr lang="en-US" dirty="0" smtClean="0"/>
+              <a:t>Anaconda3-5.2.0-Windows-x86_64</a:t>
+            </a:r>
+          </a:p>
+          <a:p>
+            <a:r>
+              <a:rPr lang="en-US" dirty="0" err="1" smtClean="0"/>
+              <a:t>PyCharm</a:t>
+            </a:r>
+            <a:endParaRPr lang="en-US" dirty="0" smtClean="0"/>
+          </a:p>
+          <a:p>
+            <a:r>
+              <a:rPr lang="en-US" dirty="0" smtClean="0"/>
+              <a:t>IDLE  </a:t>
+            </a:r>
+            <a:r>
+              <a:rPr lang="en-US" smtClean="0"/>
+              <a:t>- Python</a:t>
+            </a:r>
+          </a:p>
+          <a:p>
+            <a:endParaRPr lang="en-US"/>
+          </a:p>
+        </p:txBody>
+      </p:sp>
+    </p:spTree>
+    <p:extLst>
+      <p:ext uri="{BB962C8B-B14F-4D97-AF65-F5344CB8AC3E}">
+        <p14:creationId xmlns:p14="http://schemas.microsoft.com/office/powerpoint/2010/main" val="695400143"/>
       </p:ext>
     </p:extLst>
   </p:cSld>
@@ -35125,6 +35312,13 @@
   <p:clrMapOvr>
     <a:masterClrMapping/>
   </p:clrMapOvr>
+  <p:timing>
+    <p:tnLst>
+      <p:par>
+        <p:cTn id="1" dur="indefinite" restart="never" nodeType="tmRoot"/>
+      </p:par>
+    </p:tnLst>
+  </p:timing>
 </p:sld>
 </file>
 
@@ -35296,6 +35490,13 @@
   <p:clrMapOvr>
     <a:masterClrMapping/>
   </p:clrMapOvr>
+  <p:timing>
+    <p:tnLst>
+      <p:par>
+        <p:cTn id="1" dur="indefinite" restart="never" nodeType="tmRoot"/>
+      </p:par>
+    </p:tnLst>
+  </p:timing>
 </p:sld>
 </file>
 
@@ -35398,6 +35599,13 @@
   <p:clrMapOvr>
     <a:masterClrMapping/>
   </p:clrMapOvr>
+  <p:timing>
+    <p:tnLst>
+      <p:par>
+        <p:cTn id="1" dur="indefinite" restart="never" nodeType="tmRoot"/>
+      </p:par>
+    </p:tnLst>
+  </p:timing>
 </p:sld>
 </file>
 
@@ -35604,6 +35812,13 @@
   <p:clrMapOvr>
     <a:masterClrMapping/>
   </p:clrMapOvr>
+  <p:timing>
+    <p:tnLst>
+      <p:par>
+        <p:cTn id="1" dur="indefinite" restart="never" nodeType="tmRoot"/>
+      </p:par>
+    </p:tnLst>
+  </p:timing>
 </p:sld>
 </file>
 
@@ -35799,6 +36014,13 @@
   <p:clrMapOvr>
     <a:masterClrMapping/>
   </p:clrMapOvr>
+  <p:timing>
+    <p:tnLst>
+      <p:par>
+        <p:cTn id="1" dur="indefinite" restart="never" nodeType="tmRoot"/>
+      </p:par>
+    </p:tnLst>
+  </p:timing>
 </p:sld>
 </file>
 
@@ -35958,6 +36180,13 @@
   <p:clrMapOvr>
     <a:masterClrMapping/>
   </p:clrMapOvr>
+  <p:timing>
+    <p:tnLst>
+      <p:par>
+        <p:cTn id="1" dur="indefinite" restart="never" nodeType="tmRoot"/>
+      </p:par>
+    </p:tnLst>
+  </p:timing>
 </p:sld>
 </file>
 
@@ -36086,6 +36315,13 @@
   <p:clrMapOvr>
     <a:masterClrMapping/>
   </p:clrMapOvr>
+  <p:timing>
+    <p:tnLst>
+      <p:par>
+        <p:cTn id="1" dur="indefinite" restart="never" nodeType="tmRoot"/>
+      </p:par>
+    </p:tnLst>
+  </p:timing>
 </p:sld>
 </file>
 
